--- a/518 project presentation.pptx
+++ b/518 project presentation.pptx
@@ -15,10 +15,10 @@
     <p:sldId id="308" r:id="rId6"/>
     <p:sldId id="310" r:id="rId7"/>
     <p:sldId id="311" r:id="rId8"/>
-    <p:sldId id="313" r:id="rId9"/>
-    <p:sldId id="312" r:id="rId10"/>
-    <p:sldId id="314" r:id="rId11"/>
-    <p:sldId id="315" r:id="rId12"/>
+    <p:sldId id="312" r:id="rId9"/>
+    <p:sldId id="314" r:id="rId10"/>
+    <p:sldId id="315" r:id="rId11"/>
+    <p:sldId id="313" r:id="rId12"/>
     <p:sldId id="317" r:id="rId13"/>
     <p:sldId id="316" r:id="rId14"/>
     <p:sldId id="318" r:id="rId15"/>
@@ -3264,6 +3264,13 @@
         </dgm:presLayoutVars>
       </dgm:prSet>
       <dgm:spPr/>
+      <dgm:t>
+        <a:bodyPr/>
+        <a:lstStyle/>
+        <a:p>
+          <a:endParaRPr lang="en-US"/>
+        </a:p>
+      </dgm:t>
     </dgm:pt>
     <dgm:pt modelId="{CF81ABC3-83F9-483F-8F89-42F6E984D83A}" type="pres">
       <dgm:prSet presAssocID="{7DC3538F-1A3A-40B1-8B6F-14702135DD61}" presName="parSpace" presStyleCnt="0"/>
@@ -3276,6 +3283,13 @@
         </dgm:presLayoutVars>
       </dgm:prSet>
       <dgm:spPr/>
+      <dgm:t>
+        <a:bodyPr/>
+        <a:lstStyle/>
+        <a:p>
+          <a:endParaRPr lang="en-US"/>
+        </a:p>
+      </dgm:t>
     </dgm:pt>
     <dgm:pt modelId="{3249BF4C-7649-4ED3-BB89-B86E28CA3FB6}" type="pres">
       <dgm:prSet presAssocID="{5907E07A-8148-487C-A65F-91E125BFFD83}" presName="parSpace" presStyleCnt="0"/>
@@ -3288,6 +3302,13 @@
         </dgm:presLayoutVars>
       </dgm:prSet>
       <dgm:spPr/>
+      <dgm:t>
+        <a:bodyPr/>
+        <a:lstStyle/>
+        <a:p>
+          <a:endParaRPr lang="en-US"/>
+        </a:p>
+      </dgm:t>
     </dgm:pt>
   </dgm:ptLst>
   <dgm:cxnLst>
@@ -3452,6 +3473,13 @@
         </dgm:presLayoutVars>
       </dgm:prSet>
       <dgm:spPr/>
+      <dgm:t>
+        <a:bodyPr/>
+        <a:lstStyle/>
+        <a:p>
+          <a:endParaRPr lang="en-US"/>
+        </a:p>
+      </dgm:t>
     </dgm:pt>
     <dgm:pt modelId="{CF81ABC3-83F9-483F-8F89-42F6E984D83A}" type="pres">
       <dgm:prSet presAssocID="{7DC3538F-1A3A-40B1-8B6F-14702135DD61}" presName="parSpace" presStyleCnt="0"/>
@@ -3464,6 +3492,13 @@
         </dgm:presLayoutVars>
       </dgm:prSet>
       <dgm:spPr/>
+      <dgm:t>
+        <a:bodyPr/>
+        <a:lstStyle/>
+        <a:p>
+          <a:endParaRPr lang="en-US"/>
+        </a:p>
+      </dgm:t>
     </dgm:pt>
     <dgm:pt modelId="{C2D6CC53-EBBD-4CE9-A107-12D86F7DC89D}" type="pres">
       <dgm:prSet presAssocID="{44DC2043-FDC8-4C4E-B436-C6DED7DB50EE}" presName="parSpace" presStyleCnt="0"/>
@@ -3476,6 +3511,13 @@
         </dgm:presLayoutVars>
       </dgm:prSet>
       <dgm:spPr/>
+      <dgm:t>
+        <a:bodyPr/>
+        <a:lstStyle/>
+        <a:p>
+          <a:endParaRPr lang="en-US"/>
+        </a:p>
+      </dgm:t>
     </dgm:pt>
   </dgm:ptLst>
   <dgm:cxnLst>
@@ -3483,8 +3525,8 @@
     <dgm:cxn modelId="{1535D181-CAE1-47C7-B7B6-671DC917C894}" type="presOf" srcId="{7C515E95-3F26-488B-9C75-1A379E73C4A2}" destId="{7B399697-2495-472E-9595-F84FF508D129}" srcOrd="0" destOrd="0" presId="urn:microsoft.com/office/officeart/2005/8/layout/hChevron3"/>
     <dgm:cxn modelId="{E33A848C-81A1-4016-B835-2E423AB03D80}" srcId="{2C17E8F5-01D2-4E40-9758-EA4C8C515D68}" destId="{7C515E95-3F26-488B-9C75-1A379E73C4A2}" srcOrd="2" destOrd="0" parTransId="{1F43CB7B-523A-4BAA-94B4-34785866CEA8}" sibTransId="{F98CBC96-7DDA-4018-9E0E-3F1CA75F1441}"/>
     <dgm:cxn modelId="{6AA5BAB8-BD2A-484A-BAFD-05E8ED22FE4B}" type="presOf" srcId="{2C17E8F5-01D2-4E40-9758-EA4C8C515D68}" destId="{D9FB0F6F-DF18-447C-9DD6-2CF511D74108}" srcOrd="0" destOrd="0" presId="urn:microsoft.com/office/officeart/2005/8/layout/hChevron3"/>
+    <dgm:cxn modelId="{C34C6E88-FE54-4023-BC78-77333D0E6979}" type="presOf" srcId="{C9B45221-83FE-46DD-9180-894DD3C75508}" destId="{C552D8E1-9D85-438B-BBF7-829AF5272E29}" srcOrd="0" destOrd="0" presId="urn:microsoft.com/office/officeart/2005/8/layout/hChevron3"/>
     <dgm:cxn modelId="{F9FB58E2-910D-48CD-9503-C395DB26ED57}" srcId="{2C17E8F5-01D2-4E40-9758-EA4C8C515D68}" destId="{2D47D763-ADA8-44FF-A3EB-FA9A286859FC}" srcOrd="0" destOrd="0" parTransId="{B3C3E2DB-70D8-4B1D-B6C4-4B4833F98A23}" sibTransId="{7DC3538F-1A3A-40B1-8B6F-14702135DD61}"/>
-    <dgm:cxn modelId="{C34C6E88-FE54-4023-BC78-77333D0E6979}" type="presOf" srcId="{C9B45221-83FE-46DD-9180-894DD3C75508}" destId="{C552D8E1-9D85-438B-BBF7-829AF5272E29}" srcOrd="0" destOrd="0" presId="urn:microsoft.com/office/officeart/2005/8/layout/hChevron3"/>
     <dgm:cxn modelId="{4154CECF-6836-4C3A-BEC7-ADFE3C9D66BE}" type="presOf" srcId="{2D47D763-ADA8-44FF-A3EB-FA9A286859FC}" destId="{8B289061-2C9C-475C-B225-C4ADD9DAA197}" srcOrd="0" destOrd="0" presId="urn:microsoft.com/office/officeart/2005/8/layout/hChevron3"/>
     <dgm:cxn modelId="{5353FB93-062B-4F3F-A816-DFA85DDB45F9}" type="presParOf" srcId="{D9FB0F6F-DF18-447C-9DD6-2CF511D74108}" destId="{8B289061-2C9C-475C-B225-C4ADD9DAA197}" srcOrd="0" destOrd="0" presId="urn:microsoft.com/office/officeart/2005/8/layout/hChevron3"/>
     <dgm:cxn modelId="{8021100B-85FE-41BB-97F0-B7DEC676866E}" type="presParOf" srcId="{D9FB0F6F-DF18-447C-9DD6-2CF511D74108}" destId="{CF81ABC3-83F9-483F-8F89-42F6E984D83A}" srcOrd="1" destOrd="0" presId="urn:microsoft.com/office/officeart/2005/8/layout/hChevron3"/>
@@ -3644,6 +3686,13 @@
         </dgm:presLayoutVars>
       </dgm:prSet>
       <dgm:spPr/>
+      <dgm:t>
+        <a:bodyPr/>
+        <a:lstStyle/>
+        <a:p>
+          <a:endParaRPr lang="en-US"/>
+        </a:p>
+      </dgm:t>
     </dgm:pt>
     <dgm:pt modelId="{CF81ABC3-83F9-483F-8F89-42F6E984D83A}" type="pres">
       <dgm:prSet presAssocID="{7DC3538F-1A3A-40B1-8B6F-14702135DD61}" presName="parSpace" presStyleCnt="0"/>
@@ -3656,6 +3705,13 @@
         </dgm:presLayoutVars>
       </dgm:prSet>
       <dgm:spPr/>
+      <dgm:t>
+        <a:bodyPr/>
+        <a:lstStyle/>
+        <a:p>
+          <a:endParaRPr lang="en-US"/>
+        </a:p>
+      </dgm:t>
     </dgm:pt>
     <dgm:pt modelId="{575D5ECF-989A-49AB-87A6-C6D3C2604D72}" type="pres">
       <dgm:prSet presAssocID="{14A88365-14C5-4290-848C-4F4FA434DB68}" presName="parSpace" presStyleCnt="0"/>
@@ -3668,6 +3724,13 @@
         </dgm:presLayoutVars>
       </dgm:prSet>
       <dgm:spPr/>
+      <dgm:t>
+        <a:bodyPr/>
+        <a:lstStyle/>
+        <a:p>
+          <a:endParaRPr lang="en-US"/>
+        </a:p>
+      </dgm:t>
     </dgm:pt>
   </dgm:ptLst>
   <dgm:cxnLst>
@@ -3840,6 +3903,13 @@
         </dgm:presLayoutVars>
       </dgm:prSet>
       <dgm:spPr/>
+      <dgm:t>
+        <a:bodyPr/>
+        <a:lstStyle/>
+        <a:p>
+          <a:endParaRPr lang="en-US"/>
+        </a:p>
+      </dgm:t>
     </dgm:pt>
     <dgm:pt modelId="{CF81ABC3-83F9-483F-8F89-42F6E984D83A}" type="pres">
       <dgm:prSet presAssocID="{7DC3538F-1A3A-40B1-8B6F-14702135DD61}" presName="parSpace" presStyleCnt="0"/>
@@ -3852,6 +3922,13 @@
         </dgm:presLayoutVars>
       </dgm:prSet>
       <dgm:spPr/>
+      <dgm:t>
+        <a:bodyPr/>
+        <a:lstStyle/>
+        <a:p>
+          <a:endParaRPr lang="en-US"/>
+        </a:p>
+      </dgm:t>
     </dgm:pt>
     <dgm:pt modelId="{575D5ECF-989A-49AB-87A6-C6D3C2604D72}" type="pres">
       <dgm:prSet presAssocID="{14A88365-14C5-4290-848C-4F4FA434DB68}" presName="parSpace" presStyleCnt="0"/>
@@ -3864,6 +3941,13 @@
         </dgm:presLayoutVars>
       </dgm:prSet>
       <dgm:spPr/>
+      <dgm:t>
+        <a:bodyPr/>
+        <a:lstStyle/>
+        <a:p>
+          <a:endParaRPr lang="en-US"/>
+        </a:p>
+      </dgm:t>
     </dgm:pt>
   </dgm:ptLst>
   <dgm:cxnLst>
@@ -3953,7 +4037,7 @@
         </a:bodyPr>
         <a:lstStyle/>
         <a:p>
-          <a:pPr marL="0" lvl="0" indent="0" algn="ctr" defTabSz="1333500">
+          <a:pPr lvl="0" algn="ctr" defTabSz="1333500">
             <a:lnSpc>
               <a:spcPct val="90000"/>
             </a:lnSpc>
@@ -3963,7 +4047,6 @@
             <a:spcAft>
               <a:spcPct val="35000"/>
             </a:spcAft>
-            <a:buNone/>
           </a:pPr>
           <a:r>
             <a:rPr lang="en-US" sz="3000" kern="1200" dirty="0"/>
@@ -4031,7 +4114,7 @@
         </a:bodyPr>
         <a:lstStyle/>
         <a:p>
-          <a:pPr marL="0" lvl="0" indent="0" algn="ctr" defTabSz="1333500">
+          <a:pPr lvl="0" algn="ctr" defTabSz="1333500">
             <a:lnSpc>
               <a:spcPct val="90000"/>
             </a:lnSpc>
@@ -4041,7 +4124,6 @@
             <a:spcAft>
               <a:spcPct val="35000"/>
             </a:spcAft>
-            <a:buNone/>
           </a:pPr>
           <a:r>
             <a:rPr lang="en-US" sz="3000" kern="1200" dirty="0"/>
@@ -4109,7 +4191,7 @@
         </a:bodyPr>
         <a:lstStyle/>
         <a:p>
-          <a:pPr marL="0" lvl="0" indent="0" algn="ctr" defTabSz="1333500">
+          <a:pPr lvl="0" algn="ctr" defTabSz="1333500">
             <a:lnSpc>
               <a:spcPct val="90000"/>
             </a:lnSpc>
@@ -4119,7 +4201,6 @@
             <a:spcAft>
               <a:spcPct val="35000"/>
             </a:spcAft>
-            <a:buNone/>
           </a:pPr>
           <a:r>
             <a:rPr lang="en-US" sz="3000" kern="1200" dirty="0"/>
@@ -4197,7 +4278,7 @@
         </a:bodyPr>
         <a:lstStyle/>
         <a:p>
-          <a:pPr marL="0" lvl="0" indent="0" algn="ctr" defTabSz="711200">
+          <a:pPr lvl="0" algn="ctr" defTabSz="711200">
             <a:lnSpc>
               <a:spcPct val="90000"/>
             </a:lnSpc>
@@ -4207,7 +4288,6 @@
             <a:spcAft>
               <a:spcPct val="35000"/>
             </a:spcAft>
-            <a:buNone/>
           </a:pPr>
           <a:r>
             <a:rPr lang="en-US" sz="1600" kern="1200" dirty="0"/>
@@ -4275,7 +4355,7 @@
         </a:bodyPr>
         <a:lstStyle/>
         <a:p>
-          <a:pPr marL="0" lvl="0" indent="0" algn="ctr" defTabSz="711200">
+          <a:pPr lvl="0" algn="ctr" defTabSz="711200">
             <a:lnSpc>
               <a:spcPct val="90000"/>
             </a:lnSpc>
@@ -4285,7 +4365,6 @@
             <a:spcAft>
               <a:spcPct val="35000"/>
             </a:spcAft>
-            <a:buNone/>
           </a:pPr>
           <a:r>
             <a:rPr lang="en-US" sz="1600" kern="1200" dirty="0"/>
@@ -4353,7 +4432,7 @@
         </a:bodyPr>
         <a:lstStyle/>
         <a:p>
-          <a:pPr marL="0" lvl="0" indent="0" algn="ctr" defTabSz="711200">
+          <a:pPr lvl="0" algn="ctr" defTabSz="711200">
             <a:lnSpc>
               <a:spcPct val="90000"/>
             </a:lnSpc>
@@ -4363,7 +4442,6 @@
             <a:spcAft>
               <a:spcPct val="35000"/>
             </a:spcAft>
-            <a:buNone/>
           </a:pPr>
           <a:r>
             <a:rPr lang="en-US" sz="1600" kern="1200" dirty="0"/>
@@ -4438,7 +4516,7 @@
         </a:bodyPr>
         <a:lstStyle/>
         <a:p>
-          <a:pPr marL="0" lvl="0" indent="0" algn="ctr" defTabSz="711200">
+          <a:pPr lvl="0" algn="ctr" defTabSz="711200">
             <a:lnSpc>
               <a:spcPct val="90000"/>
             </a:lnSpc>
@@ -4448,7 +4526,6 @@
             <a:spcAft>
               <a:spcPct val="35000"/>
             </a:spcAft>
-            <a:buNone/>
           </a:pPr>
           <a:r>
             <a:rPr lang="en-US" sz="1600" kern="1200" dirty="0"/>
@@ -4514,7 +4591,7 @@
         </a:bodyPr>
         <a:lstStyle/>
         <a:p>
-          <a:pPr marL="0" lvl="0" indent="0" algn="ctr" defTabSz="711200">
+          <a:pPr lvl="0" algn="ctr" defTabSz="711200">
             <a:lnSpc>
               <a:spcPct val="90000"/>
             </a:lnSpc>
@@ -4524,7 +4601,6 @@
             <a:spcAft>
               <a:spcPct val="35000"/>
             </a:spcAft>
-            <a:buNone/>
           </a:pPr>
           <a:r>
             <a:rPr lang="en-US" sz="1600" kern="1200" dirty="0"/>
@@ -4592,7 +4668,7 @@
         </a:bodyPr>
         <a:lstStyle/>
         <a:p>
-          <a:pPr marL="0" lvl="0" indent="0" algn="ctr" defTabSz="711200">
+          <a:pPr lvl="0" algn="ctr" defTabSz="711200">
             <a:lnSpc>
               <a:spcPct val="90000"/>
             </a:lnSpc>
@@ -4602,7 +4678,6 @@
             <a:spcAft>
               <a:spcPct val="35000"/>
             </a:spcAft>
-            <a:buNone/>
           </a:pPr>
           <a:r>
             <a:rPr lang="en-US" sz="1600" kern="1200" dirty="0"/>
@@ -4677,7 +4752,7 @@
         </a:bodyPr>
         <a:lstStyle/>
         <a:p>
-          <a:pPr marL="0" lvl="0" indent="0" algn="ctr" defTabSz="711200">
+          <a:pPr lvl="0" algn="ctr" defTabSz="711200">
             <a:lnSpc>
               <a:spcPct val="90000"/>
             </a:lnSpc>
@@ -4687,7 +4762,6 @@
             <a:spcAft>
               <a:spcPct val="35000"/>
             </a:spcAft>
-            <a:buNone/>
           </a:pPr>
           <a:r>
             <a:rPr lang="en-US" sz="1600" kern="1200" dirty="0"/>
@@ -4750,7 +4824,7 @@
         </a:bodyPr>
         <a:lstStyle/>
         <a:p>
-          <a:pPr marL="0" lvl="0" indent="0" algn="ctr" defTabSz="711200">
+          <a:pPr lvl="0" algn="ctr" defTabSz="711200">
             <a:lnSpc>
               <a:spcPct val="90000"/>
             </a:lnSpc>
@@ -4760,7 +4834,6 @@
             <a:spcAft>
               <a:spcPct val="35000"/>
             </a:spcAft>
-            <a:buNone/>
           </a:pPr>
           <a:r>
             <a:rPr lang="en-US" sz="1600" kern="1200" dirty="0"/>
@@ -4826,7 +4899,7 @@
         </a:bodyPr>
         <a:lstStyle/>
         <a:p>
-          <a:pPr marL="0" lvl="0" indent="0" algn="ctr" defTabSz="711200">
+          <a:pPr lvl="0" algn="ctr" defTabSz="711200">
             <a:lnSpc>
               <a:spcPct val="90000"/>
             </a:lnSpc>
@@ -4836,7 +4909,6 @@
             <a:spcAft>
               <a:spcPct val="35000"/>
             </a:spcAft>
-            <a:buNone/>
           </a:pPr>
           <a:r>
             <a:rPr lang="en-US" sz="1600" kern="1200" dirty="0"/>
@@ -10159,7 +10231,7 @@
           <a:p>
             <a:fld id="{D0CC69C6-EE0B-4D8B-9C71-C36EFED094F2}" type="datetimeFigureOut">
               <a:rPr lang="en-US"/>
-              <a:t>4/12/2017</a:t>
+              <a:t>4/12/17</a:t>
             </a:fld>
             <a:endParaRPr/>
           </a:p>
@@ -10324,7 +10396,7 @@
           <a:p>
             <a:fld id="{3ABD2D7A-D230-4F91-BD59-0A39C2703BA8}" type="datetimeFigureOut">
               <a:rPr lang="en-US"/>
-              <a:t>4/12/2017</a:t>
+              <a:t>4/12/17</a:t>
             </a:fld>
             <a:endParaRPr/>
           </a:p>
@@ -11009,11 +11081,11 @@
           <a:p>
             <a:r>
               <a:rPr lang="en-US" dirty="0"/>
-              <a:t>So why this kind of idea will work? First, the emotions are</a:t>
+              <a:t>Then let’s see why this process</a:t>
             </a:r>
             <a:r>
               <a:rPr lang="en-US" baseline="0" dirty="0"/>
-              <a:t> confirmed that can recall the human memories. And you still remember some fragments of your dream when you wake up, of course they will disappear in a few minis, but when you just woke up, they are still there. So the idea is to help you grab the fragments you have, to log them or relearn them to your long- term memory</a:t>
+              <a:t> will work. At first, the detection part. The dream detection is the most important part of the project, this ensures you don’t need to spend 7 or 8 hours to go over all the memories you have to try to get something when all your memoirs dead, and got nothing at last. This detection based on 3 fact, the first one is We dream at the REM period, the studies shows we always dreaming when we wake up by others at the REM stage. And at REM stage, our heart rate have a significant change that can be detected with even our own eyes looking at the heart measurement.  All these 3 points makes the detection possible and reliable.</a:t>
             </a:r>
             <a:endParaRPr lang="en-US" dirty="0"/>
           </a:p>
@@ -11045,7 +11117,7 @@
     </p:spTree>
     <p:extLst>
       <p:ext uri="{BB962C8B-B14F-4D97-AF65-F5344CB8AC3E}">
-        <p14:creationId xmlns:p14="http://schemas.microsoft.com/office/powerpoint/2010/main" val="4223184583"/>
+        <p14:creationId xmlns:p14="http://schemas.microsoft.com/office/powerpoint/2010/main" val="240280874"/>
       </p:ext>
     </p:extLst>
   </p:cSld>
@@ -11101,11 +11173,11 @@
           <a:p>
             <a:r>
               <a:rPr lang="en-US" dirty="0"/>
-              <a:t>Then let’s see why this process</a:t>
+              <a:t>After</a:t>
             </a:r>
             <a:r>
               <a:rPr lang="en-US" baseline="0" dirty="0"/>
-              <a:t> will work. At first, the detection part. The dream detection is the most important part of the project, this ensures you don’t need to spend 7 or 8 hours to go over all the memories you have to try to get something when all your memoirs dead, and got nothing at last. This detection based on 3 fact, the first one is We dream at the REM period, the studies shows we always dreaming when we wake up by others at the REM stage. And at REM stage, our heart rate have a significant change that can be detected with even our own eyes looking at the heart measurement.  All these 3 points makes the detection possible and reliable.</a:t>
+              <a:t> we detected the dream, we need to capture some useful data. And as the study shows the face emotions are the most valuable data. The emotions are proved related to the dreams we are having. And the face is easy to capture instead of the voice information, as the picture shows, we normally have 9 kinds of posture during the sleep, and all of them can all show at least half of the face information, that should be enough for the emotion recognition works . Also, the emotions can help the most to recall the memory, as we talked about at the start, when you remember the emotion, normally you can remember the fragment.</a:t>
             </a:r>
             <a:endParaRPr lang="en-US" dirty="0"/>
           </a:p>
@@ -11137,7 +11209,7 @@
     </p:spTree>
     <p:extLst>
       <p:ext uri="{BB962C8B-B14F-4D97-AF65-F5344CB8AC3E}">
-        <p14:creationId xmlns:p14="http://schemas.microsoft.com/office/powerpoint/2010/main" val="240280874"/>
+        <p14:creationId xmlns:p14="http://schemas.microsoft.com/office/powerpoint/2010/main" val="3638294958"/>
       </p:ext>
     </p:extLst>
   </p:cSld>
@@ -11193,13 +11265,21 @@
           <a:p>
             <a:r>
               <a:rPr lang="en-US" dirty="0"/>
-              <a:t>After</a:t>
+              <a:t>And then</a:t>
             </a:r>
             <a:r>
               <a:rPr lang="en-US" baseline="0" dirty="0"/>
-              <a:t> we detected the dream, we need to capture some useful data. And as the study shows the face emotions are the most valuable data. The emotions are proved related to the dreams we are having. And the face is easy to capture instead of the voice information, as the picture shows, we normally have 9 kinds of posture during the sleep, and all of them can all show at least half of the face information, that should be enough for the emotion recognition works . Also, the emotions can help the most to recall the memory, as we talked about at the start, when you remember the emotion, normally you can remember the fragment.</a:t>
+              <a:t> form the data into a timeline based format. In this part, we need to notice that this is used when the user are just awake, most of us will be a bit stupid at that time, so we need to make things more obvious. First is the memory recall, instead only show the emotions of the user, we also want to show the face recognition result, and a couple guessing if we have enough data of the users. For they might need some help and improve the speed</a:t>
             </a:r>
-            <a:endParaRPr lang="en-US" dirty="0"/>
+          </a:p>
+          <a:p>
+            <a:endParaRPr lang="en-US" baseline="0" dirty="0"/>
+          </a:p>
+          <a:p>
+            <a:r>
+              <a:rPr lang="en-US" baseline="0" dirty="0"/>
+              <a:t>And for the fast logging, we provide the typing on the UI, and a paper can draw some details that could be useful but need more time to describe in text.</a:t>
+            </a:r>
           </a:p>
         </p:txBody>
       </p:sp>
@@ -11229,7 +11309,7 @@
     </p:spTree>
     <p:extLst>
       <p:ext uri="{BB962C8B-B14F-4D97-AF65-F5344CB8AC3E}">
-        <p14:creationId xmlns:p14="http://schemas.microsoft.com/office/powerpoint/2010/main" val="3638294958"/>
+        <p14:creationId xmlns:p14="http://schemas.microsoft.com/office/powerpoint/2010/main" val="1711567829"/>
       </p:ext>
     </p:extLst>
   </p:cSld>
@@ -11285,21 +11365,13 @@
           <a:p>
             <a:r>
               <a:rPr lang="en-US" dirty="0"/>
-              <a:t>And then</a:t>
+              <a:t>So why this kind of idea will work? First, the emotions are</a:t>
             </a:r>
             <a:r>
               <a:rPr lang="en-US" baseline="0" dirty="0"/>
-              <a:t> form the data into a timeline based format. In this part, we need to notice that this is used when the user are just awake, most of us will be a bit stupid at that time, so we need to make things more obvious. First is the memory recall, instead only show the emotions of the user, we also want to show the face recognition result, and a couple guessing if we have enough data of the users. For they might need some help and improve the speed</a:t>
+              <a:t> confirmed that can recall the human memories. And you still remember some fragments of your dream when you wake up, of course they will disappear in a few minis, but when you just woke up, they are still there. So the idea is to help you grab the fragments you have, to log them or relearn them to your long- term memory</a:t>
             </a:r>
-          </a:p>
-          <a:p>
-            <a:endParaRPr lang="en-US" baseline="0" dirty="0"/>
-          </a:p>
-          <a:p>
-            <a:r>
-              <a:rPr lang="en-US" baseline="0" dirty="0"/>
-              <a:t>And for the fast logging, we provide the typing on the UI, and a paper can draw some details that could be useful but need more time to describe in text.</a:t>
-            </a:r>
+            <a:endParaRPr lang="en-US" dirty="0"/>
           </a:p>
         </p:txBody>
       </p:sp>
@@ -11329,7 +11401,7 @@
     </p:spTree>
     <p:extLst>
       <p:ext uri="{BB962C8B-B14F-4D97-AF65-F5344CB8AC3E}">
-        <p14:creationId xmlns:p14="http://schemas.microsoft.com/office/powerpoint/2010/main" val="1711567829"/>
+        <p14:creationId xmlns:p14="http://schemas.microsoft.com/office/powerpoint/2010/main" val="4223184583"/>
       </p:ext>
     </p:extLst>
   </p:cSld>
@@ -11864,7 +11936,7 @@
           <a:p>
             <a:fld id="{3A713B6B-E340-4FC0-A085-B71A4639D1AA}" type="datetime1">
               <a:rPr lang="en-US" smtClean="0"/>
-              <a:t>4/12/2017</a:t>
+              <a:t>4/12/17</a:t>
             </a:fld>
             <a:endParaRPr/>
           </a:p>
@@ -12060,7 +12132,7 @@
           <a:p>
             <a:fld id="{FDCB42DF-42F7-4DF8-92F8-78154BDE12B4}" type="datetime1">
               <a:rPr lang="en-US" smtClean="0"/>
-              <a:t>4/12/2017</a:t>
+              <a:t>4/12/17</a:t>
             </a:fld>
             <a:endParaRPr/>
           </a:p>
@@ -12263,7 +12335,7 @@
           <a:p>
             <a:fld id="{A43FAFC5-F11C-4205-99FD-FC66DAA2AE2D}" type="datetime1">
               <a:rPr lang="en-US" smtClean="0"/>
-              <a:t>4/12/2017</a:t>
+              <a:t>4/12/17</a:t>
             </a:fld>
             <a:endParaRPr/>
           </a:p>
@@ -12557,7 +12629,7 @@
           <a:p>
             <a:fld id="{A43FAFC5-F11C-4205-99FD-FC66DAA2AE2D}" type="datetime1">
               <a:rPr lang="en-US" smtClean="0"/>
-              <a:t>4/12/2017</a:t>
+              <a:t>4/12/17</a:t>
             </a:fld>
             <a:endParaRPr/>
           </a:p>
@@ -12865,7 +12937,7 @@
           <a:p>
             <a:fld id="{EFD82905-3DC5-49B9-B8B8-9D80D3609DB5}" type="datetime1">
               <a:rPr lang="en-US" smtClean="0"/>
-              <a:t>4/12/2017</a:t>
+              <a:t>4/12/17</a:t>
             </a:fld>
             <a:endParaRPr/>
           </a:p>
@@ -13325,7 +13397,7 @@
           <a:p>
             <a:fld id="{59825298-A6F6-4AF2-832C-941EFA52AF9B}" type="datetime1">
               <a:rPr lang="en-US" smtClean="0"/>
-              <a:t>4/12/2017</a:t>
+              <a:t>4/12/17</a:t>
             </a:fld>
             <a:endParaRPr/>
           </a:p>
@@ -13459,7 +13531,7 @@
           <a:p>
             <a:fld id="{91EE3D8C-3438-4368-AD19-D5CB0C52B1DD}" type="datetime1">
               <a:rPr lang="en-US" smtClean="0"/>
-              <a:t>4/12/2017</a:t>
+              <a:t>4/12/17</a:t>
             </a:fld>
             <a:endParaRPr/>
           </a:p>
@@ -13600,7 +13672,7 @@
           <a:p>
             <a:fld id="{5A41D785-D6D8-40F1-B2DD-0E2019A27A22}" type="datetime1">
               <a:rPr lang="en-US" smtClean="0"/>
-              <a:t>4/12/2017</a:t>
+              <a:t>4/12/17</a:t>
             </a:fld>
             <a:endParaRPr/>
           </a:p>
@@ -13912,7 +13984,7 @@
           <a:p>
             <a:fld id="{C05A9A06-02F9-41CB-8208-185A65D60B96}" type="datetime1">
               <a:rPr lang="en-US" smtClean="0"/>
-              <a:t>4/12/2017</a:t>
+              <a:t>4/12/17</a:t>
             </a:fld>
             <a:endParaRPr/>
           </a:p>
@@ -14255,7 +14327,7 @@
           <a:p>
             <a:fld id="{3E2E051B-B340-4A72-AC7D-8FDFBF03EE12}" type="datetime1">
               <a:rPr lang="en-US" smtClean="0"/>
-              <a:t>4/12/2017</a:t>
+              <a:t>4/12/17</a:t>
             </a:fld>
             <a:endParaRPr/>
           </a:p>
@@ -14626,7 +14698,7 @@
             <a:fld id="{6B85D658-8C58-46F3-AA54-0ED74F8B4CDC}" type="datetime1">
               <a:rPr lang="en-US" smtClean="0"/>
               <a:pPr/>
-              <a:t>4/12/2017</a:t>
+              <a:t>4/12/17</a:t>
             </a:fld>
             <a:endParaRPr lang="en-US" dirty="0"/>
           </a:p>
@@ -15101,6 +15173,13 @@
       </p:transition>
     </mc:Fallback>
   </mc:AlternateContent>
+  <p:timing>
+    <p:tnLst>
+      <p:par>
+        <p:cTn id="1" dur="indefinite" restart="never" nodeType="tmRoot"/>
+      </p:par>
+    </p:tnLst>
+  </p:timing>
 </p:sld>
 </file>
 
@@ -15184,6 +15263,13 @@
       </p:transition>
     </mc:Fallback>
   </mc:AlternateContent>
+  <p:timing>
+    <p:tnLst>
+      <p:par>
+        <p:cTn id="1" dur="indefinite" restart="never" nodeType="tmRoot"/>
+      </p:par>
+    </p:tnLst>
+  </p:timing>
 </p:sld>
 </file>
 
@@ -15291,6 +15377,13 @@
       </p:transition>
     </mc:Fallback>
   </mc:AlternateContent>
+  <p:timing>
+    <p:tnLst>
+      <p:par>
+        <p:cTn id="1" dur="indefinite" restart="never" nodeType="tmRoot"/>
+      </p:par>
+    </p:tnLst>
+  </p:timing>
 </p:sld>
 </file>
 
@@ -15398,6 +15491,13 @@
       </p:transition>
     </mc:Fallback>
   </mc:AlternateContent>
+  <p:timing>
+    <p:tnLst>
+      <p:par>
+        <p:cTn id="1" dur="indefinite" restart="never" nodeType="tmRoot"/>
+      </p:par>
+    </p:tnLst>
+  </p:timing>
 </p:sld>
 </file>
 
@@ -15501,6 +15601,13 @@
       </p:transition>
     </mc:Fallback>
   </mc:AlternateContent>
+  <p:timing>
+    <p:tnLst>
+      <p:par>
+        <p:cTn id="1" dur="indefinite" restart="never" nodeType="tmRoot"/>
+      </p:par>
+    </p:tnLst>
+  </p:timing>
 </p:sld>
 </file>
 
@@ -15597,111 +15704,17 @@
       </p:transition>
     </mc:Fallback>
   </mc:AlternateContent>
+  <p:timing>
+    <p:tnLst>
+      <p:par>
+        <p:cTn id="1" dur="indefinite" restart="never" nodeType="tmRoot"/>
+      </p:par>
+    </p:tnLst>
+  </p:timing>
 </p:sld>
 </file>
 
 <file path=ppt/slides/slide5.xml><?xml version="1.0" encoding="utf-8"?>
-<p:sld xmlns:a="http://schemas.openxmlformats.org/drawingml/2006/main" xmlns:r="http://schemas.openxmlformats.org/officeDocument/2006/relationships" xmlns:p="http://schemas.openxmlformats.org/presentationml/2006/main">
-  <p:cSld>
-    <p:spTree>
-      <p:nvGrpSpPr>
-        <p:cNvPr id="1" name=""/>
-        <p:cNvGrpSpPr/>
-        <p:nvPr/>
-      </p:nvGrpSpPr>
-      <p:grpSpPr>
-        <a:xfrm>
-          <a:off x="0" y="0"/>
-          <a:ext cx="0" cy="0"/>
-          <a:chOff x="0" y="0"/>
-          <a:chExt cx="0" cy="0"/>
-        </a:xfrm>
-      </p:grpSpPr>
-      <p:sp>
-        <p:nvSpPr>
-          <p:cNvPr id="2" name="Title 1"/>
-          <p:cNvSpPr>
-            <a:spLocks noGrp="1"/>
-          </p:cNvSpPr>
-          <p:nvPr>
-            <p:ph type="title"/>
-          </p:nvPr>
-        </p:nvSpPr>
-        <p:spPr/>
-        <p:txBody>
-          <a:bodyPr/>
-          <a:lstStyle/>
-          <a:p>
-            <a:r>
-              <a:rPr lang="en-US" dirty="0">
-                <a:latin typeface="Calibri" panose="020F0502020204030204" pitchFamily="34" charset="0"/>
-                <a:cs typeface="Calibri" panose="020F0502020204030204" pitchFamily="34" charset="0"/>
-              </a:rPr>
-              <a:t>Why it will work?</a:t>
-            </a:r>
-          </a:p>
-        </p:txBody>
-      </p:sp>
-      <p:sp>
-        <p:nvSpPr>
-          <p:cNvPr id="3" name="Content Placeholder 2"/>
-          <p:cNvSpPr>
-            <a:spLocks noGrp="1"/>
-          </p:cNvSpPr>
-          <p:nvPr>
-            <p:ph idx="1"/>
-          </p:nvPr>
-        </p:nvSpPr>
-        <p:spPr/>
-        <p:txBody>
-          <a:bodyPr/>
-          <a:lstStyle/>
-          <a:p>
-            <a:r>
-              <a:rPr lang="en-US" dirty="0"/>
-              <a:t>Emotions can recall the human memories</a:t>
-            </a:r>
-          </a:p>
-          <a:p>
-            <a:r>
-              <a:rPr lang="en-US" dirty="0"/>
-              <a:t>Still remember some fragments when wake up</a:t>
-            </a:r>
-          </a:p>
-          <a:p>
-            <a:r>
-              <a:rPr lang="en-US" dirty="0"/>
-              <a:t>Re-learn or record the fragments</a:t>
-            </a:r>
-          </a:p>
-        </p:txBody>
-      </p:sp>
-    </p:spTree>
-    <p:extLst>
-      <p:ext uri="{BB962C8B-B14F-4D97-AF65-F5344CB8AC3E}">
-        <p14:creationId xmlns:p14="http://schemas.microsoft.com/office/powerpoint/2010/main" val="3137856953"/>
-      </p:ext>
-    </p:extLst>
-  </p:cSld>
-  <p:clrMapOvr>
-    <a:masterClrMapping/>
-  </p:clrMapOvr>
-  <mc:AlternateContent xmlns:mc="http://schemas.openxmlformats.org/markup-compatibility/2006" xmlns:p14="http://schemas.microsoft.com/office/powerpoint/2010/main">
-    <mc:Choice Requires="p14">
-      <p:transition spd="med" p14:dur="700">
-        <p:fade/>
-      </p:transition>
-    </mc:Choice>
-    <mc:Fallback xmlns="">
-      <p:transition spd="med">
-        <p:fade/>
-      </p:transition>
-    </mc:Fallback>
-  </mc:AlternateContent>
-</p:sld>
-</file>
-
-<file path=ppt/slides/slide6.xml><?xml version="1.0" encoding="utf-8"?>
 <p:sld xmlns:a="http://schemas.openxmlformats.org/drawingml/2006/main" xmlns:r="http://schemas.openxmlformats.org/officeDocument/2006/relationships" xmlns:p="http://schemas.openxmlformats.org/presentationml/2006/main">
   <p:cSld>
     <p:spTree>
@@ -15908,10 +15921,17 @@
       </p:transition>
     </mc:Fallback>
   </mc:AlternateContent>
+  <p:timing>
+    <p:tnLst>
+      <p:par>
+        <p:cTn id="1" dur="indefinite" restart="never" nodeType="tmRoot"/>
+      </p:par>
+    </p:tnLst>
+  </p:timing>
 </p:sld>
 </file>
 
-<file path=ppt/slides/slide7.xml><?xml version="1.0" encoding="utf-8"?>
+<file path=ppt/slides/slide6.xml><?xml version="1.0" encoding="utf-8"?>
 <p:sld xmlns:a="http://schemas.openxmlformats.org/drawingml/2006/main" xmlns:r="http://schemas.openxmlformats.org/officeDocument/2006/relationships" xmlns:p="http://schemas.openxmlformats.org/presentationml/2006/main">
   <p:cSld>
     <p:spTree>
@@ -16107,10 +16127,17 @@
       </p:transition>
     </mc:Fallback>
   </mc:AlternateContent>
+  <p:timing>
+    <p:tnLst>
+      <p:par>
+        <p:cTn id="1" dur="indefinite" restart="never" nodeType="tmRoot"/>
+      </p:par>
+    </p:tnLst>
+  </p:timing>
 </p:sld>
 </file>
 
-<file path=ppt/slides/slide8.xml><?xml version="1.0" encoding="utf-8"?>
+<file path=ppt/slides/slide7.xml><?xml version="1.0" encoding="utf-8"?>
 <p:sld xmlns:a="http://schemas.openxmlformats.org/drawingml/2006/main" xmlns:r="http://schemas.openxmlformats.org/officeDocument/2006/relationships" xmlns:p="http://schemas.openxmlformats.org/presentationml/2006/main">
   <p:cSld>
     <p:spTree>
@@ -16260,6 +16287,122 @@
       </p:transition>
     </mc:Fallback>
   </mc:AlternateContent>
+  <p:timing>
+    <p:tnLst>
+      <p:par>
+        <p:cTn id="1" dur="indefinite" restart="never" nodeType="tmRoot"/>
+      </p:par>
+    </p:tnLst>
+  </p:timing>
+</p:sld>
+</file>
+
+<file path=ppt/slides/slide8.xml><?xml version="1.0" encoding="utf-8"?>
+<p:sld xmlns:a="http://schemas.openxmlformats.org/drawingml/2006/main" xmlns:r="http://schemas.openxmlformats.org/officeDocument/2006/relationships" xmlns:p="http://schemas.openxmlformats.org/presentationml/2006/main">
+  <p:cSld>
+    <p:spTree>
+      <p:nvGrpSpPr>
+        <p:cNvPr id="1" name=""/>
+        <p:cNvGrpSpPr/>
+        <p:nvPr/>
+      </p:nvGrpSpPr>
+      <p:grpSpPr>
+        <a:xfrm>
+          <a:off x="0" y="0"/>
+          <a:ext cx="0" cy="0"/>
+          <a:chOff x="0" y="0"/>
+          <a:chExt cx="0" cy="0"/>
+        </a:xfrm>
+      </p:grpSpPr>
+      <p:sp>
+        <p:nvSpPr>
+          <p:cNvPr id="2" name="Title 1"/>
+          <p:cNvSpPr>
+            <a:spLocks noGrp="1"/>
+          </p:cNvSpPr>
+          <p:nvPr>
+            <p:ph type="title"/>
+          </p:nvPr>
+        </p:nvSpPr>
+        <p:spPr/>
+        <p:txBody>
+          <a:bodyPr/>
+          <a:lstStyle/>
+          <a:p>
+            <a:r>
+              <a:rPr lang="en-US" dirty="0">
+                <a:latin typeface="Calibri" panose="020F0502020204030204" pitchFamily="34" charset="0"/>
+                <a:cs typeface="Calibri" panose="020F0502020204030204" pitchFamily="34" charset="0"/>
+              </a:rPr>
+              <a:t>Why it will work?</a:t>
+            </a:r>
+          </a:p>
+        </p:txBody>
+      </p:sp>
+      <p:sp>
+        <p:nvSpPr>
+          <p:cNvPr id="3" name="Content Placeholder 2"/>
+          <p:cNvSpPr>
+            <a:spLocks noGrp="1"/>
+          </p:cNvSpPr>
+          <p:nvPr>
+            <p:ph idx="1"/>
+          </p:nvPr>
+        </p:nvSpPr>
+        <p:spPr/>
+        <p:txBody>
+          <a:bodyPr/>
+          <a:lstStyle/>
+          <a:p>
+            <a:r>
+              <a:rPr lang="en-US" dirty="0"/>
+              <a:t>Emotions can recall the human memories</a:t>
+            </a:r>
+          </a:p>
+          <a:p>
+            <a:r>
+              <a:rPr lang="en-US" dirty="0"/>
+              <a:t>Still remember some fragments when wake up</a:t>
+            </a:r>
+          </a:p>
+          <a:p>
+            <a:r>
+              <a:rPr lang="en-US" dirty="0" smtClean="0"/>
+              <a:t>Memories are strongly link with the emotions</a:t>
+            </a:r>
+            <a:endParaRPr lang="en-US" dirty="0"/>
+          </a:p>
+        </p:txBody>
+      </p:sp>
+    </p:spTree>
+    <p:extLst>
+      <p:ext uri="{BB962C8B-B14F-4D97-AF65-F5344CB8AC3E}">
+        <p14:creationId xmlns:p14="http://schemas.microsoft.com/office/powerpoint/2010/main" val="3137856953"/>
+      </p:ext>
+    </p:extLst>
+  </p:cSld>
+  <p:clrMapOvr>
+    <a:masterClrMapping/>
+  </p:clrMapOvr>
+  <mc:AlternateContent xmlns:mc="http://schemas.openxmlformats.org/markup-compatibility/2006" xmlns:p14="http://schemas.microsoft.com/office/powerpoint/2010/main">
+    <mc:Choice Requires="p14">
+      <p:transition spd="med" p14:dur="700">
+        <p:fade/>
+      </p:transition>
+    </mc:Choice>
+    <mc:Fallback xmlns="">
+      <p:transition spd="med">
+        <p:fade/>
+      </p:transition>
+    </mc:Fallback>
+  </mc:AlternateContent>
+  <p:timing>
+    <p:tnLst>
+      <p:par>
+        <p:cTn id="1" dur="indefinite" restart="never" nodeType="tmRoot"/>
+      </p:par>
+    </p:tnLst>
+  </p:timing>
 </p:sld>
 </file>
 
@@ -16712,6 +16855,13 @@
       </p:transition>
     </mc:Fallback>
   </mc:AlternateContent>
+  <p:timing>
+    <p:tnLst>
+      <p:par>
+        <p:cTn id="1" dur="indefinite" restart="never" nodeType="tmRoot"/>
+      </p:par>
+    </p:tnLst>
+  </p:timing>
 </p:sld>
 </file>
 

--- a/518 project presentation.pptx
+++ b/518 project presentation.pptx
@@ -5,10 +5,10 @@
     <p:sldMasterId id="2147483648" r:id="rId4"/>
   </p:sldMasterIdLst>
   <p:notesMasterIdLst>
-    <p:notesMasterId r:id="rId16"/>
+    <p:notesMasterId r:id="rId17"/>
   </p:notesMasterIdLst>
   <p:handoutMasterIdLst>
-    <p:handoutMasterId r:id="rId17"/>
+    <p:handoutMasterId r:id="rId18"/>
   </p:handoutMasterIdLst>
   <p:sldIdLst>
     <p:sldId id="265" r:id="rId5"/>
@@ -20,13 +20,14 @@
     <p:sldId id="315" r:id="rId11"/>
     <p:sldId id="313" r:id="rId12"/>
     <p:sldId id="317" r:id="rId13"/>
-    <p:sldId id="316" r:id="rId14"/>
-    <p:sldId id="318" r:id="rId15"/>
+    <p:sldId id="319" r:id="rId14"/>
+    <p:sldId id="316" r:id="rId15"/>
+    <p:sldId id="318" r:id="rId16"/>
   </p:sldIdLst>
   <p:sldSz cx="12188825" cy="6858000"/>
   <p:notesSz cx="6858000" cy="9144000"/>
   <p:custDataLst>
-    <p:tags r:id="rId18"/>
+    <p:tags r:id="rId19"/>
   </p:custDataLst>
   <p:defaultTextStyle>
     <a:defPPr>
@@ -3525,8 +3526,8 @@
     <dgm:cxn modelId="{1535D181-CAE1-47C7-B7B6-671DC917C894}" type="presOf" srcId="{7C515E95-3F26-488B-9C75-1A379E73C4A2}" destId="{7B399697-2495-472E-9595-F84FF508D129}" srcOrd="0" destOrd="0" presId="urn:microsoft.com/office/officeart/2005/8/layout/hChevron3"/>
     <dgm:cxn modelId="{E33A848C-81A1-4016-B835-2E423AB03D80}" srcId="{2C17E8F5-01D2-4E40-9758-EA4C8C515D68}" destId="{7C515E95-3F26-488B-9C75-1A379E73C4A2}" srcOrd="2" destOrd="0" parTransId="{1F43CB7B-523A-4BAA-94B4-34785866CEA8}" sibTransId="{F98CBC96-7DDA-4018-9E0E-3F1CA75F1441}"/>
     <dgm:cxn modelId="{6AA5BAB8-BD2A-484A-BAFD-05E8ED22FE4B}" type="presOf" srcId="{2C17E8F5-01D2-4E40-9758-EA4C8C515D68}" destId="{D9FB0F6F-DF18-447C-9DD6-2CF511D74108}" srcOrd="0" destOrd="0" presId="urn:microsoft.com/office/officeart/2005/8/layout/hChevron3"/>
+    <dgm:cxn modelId="{F9FB58E2-910D-48CD-9503-C395DB26ED57}" srcId="{2C17E8F5-01D2-4E40-9758-EA4C8C515D68}" destId="{2D47D763-ADA8-44FF-A3EB-FA9A286859FC}" srcOrd="0" destOrd="0" parTransId="{B3C3E2DB-70D8-4B1D-B6C4-4B4833F98A23}" sibTransId="{7DC3538F-1A3A-40B1-8B6F-14702135DD61}"/>
     <dgm:cxn modelId="{C34C6E88-FE54-4023-BC78-77333D0E6979}" type="presOf" srcId="{C9B45221-83FE-46DD-9180-894DD3C75508}" destId="{C552D8E1-9D85-438B-BBF7-829AF5272E29}" srcOrd="0" destOrd="0" presId="urn:microsoft.com/office/officeart/2005/8/layout/hChevron3"/>
-    <dgm:cxn modelId="{F9FB58E2-910D-48CD-9503-C395DB26ED57}" srcId="{2C17E8F5-01D2-4E40-9758-EA4C8C515D68}" destId="{2D47D763-ADA8-44FF-A3EB-FA9A286859FC}" srcOrd="0" destOrd="0" parTransId="{B3C3E2DB-70D8-4B1D-B6C4-4B4833F98A23}" sibTransId="{7DC3538F-1A3A-40B1-8B6F-14702135DD61}"/>
     <dgm:cxn modelId="{4154CECF-6836-4C3A-BEC7-ADFE3C9D66BE}" type="presOf" srcId="{2D47D763-ADA8-44FF-A3EB-FA9A286859FC}" destId="{8B289061-2C9C-475C-B225-C4ADD9DAA197}" srcOrd="0" destOrd="0" presId="urn:microsoft.com/office/officeart/2005/8/layout/hChevron3"/>
     <dgm:cxn modelId="{5353FB93-062B-4F3F-A816-DFA85DDB45F9}" type="presParOf" srcId="{D9FB0F6F-DF18-447C-9DD6-2CF511D74108}" destId="{8B289061-2C9C-475C-B225-C4ADD9DAA197}" srcOrd="0" destOrd="0" presId="urn:microsoft.com/office/officeart/2005/8/layout/hChevron3"/>
     <dgm:cxn modelId="{8021100B-85FE-41BB-97F0-B7DEC676866E}" type="presParOf" srcId="{D9FB0F6F-DF18-447C-9DD6-2CF511D74108}" destId="{CF81ABC3-83F9-483F-8F89-42F6E984D83A}" srcOrd="1" destOrd="0" presId="urn:microsoft.com/office/officeart/2005/8/layout/hChevron3"/>
@@ -10231,7 +10232,7 @@
           <a:p>
             <a:fld id="{D0CC69C6-EE0B-4D8B-9C71-C36EFED094F2}" type="datetimeFigureOut">
               <a:rPr lang="en-US"/>
-              <a:t>4/12/17</a:t>
+              <a:t>4/13/17</a:t>
             </a:fld>
             <a:endParaRPr/>
           </a:p>
@@ -10396,7 +10397,7 @@
           <a:p>
             <a:fld id="{3ABD2D7A-D230-4F91-BD59-0A39C2703BA8}" type="datetimeFigureOut">
               <a:rPr lang="en-US"/>
-              <a:t>4/12/17</a:t>
+              <a:t>4/13/17</a:t>
             </a:fld>
             <a:endParaRPr/>
           </a:p>
@@ -11936,7 +11937,7 @@
           <a:p>
             <a:fld id="{3A713B6B-E340-4FC0-A085-B71A4639D1AA}" type="datetime1">
               <a:rPr lang="en-US" smtClean="0"/>
-              <a:t>4/12/17</a:t>
+              <a:t>4/13/17</a:t>
             </a:fld>
             <a:endParaRPr/>
           </a:p>
@@ -12132,7 +12133,7 @@
           <a:p>
             <a:fld id="{FDCB42DF-42F7-4DF8-92F8-78154BDE12B4}" type="datetime1">
               <a:rPr lang="en-US" smtClean="0"/>
-              <a:t>4/12/17</a:t>
+              <a:t>4/13/17</a:t>
             </a:fld>
             <a:endParaRPr/>
           </a:p>
@@ -12335,7 +12336,7 @@
           <a:p>
             <a:fld id="{A43FAFC5-F11C-4205-99FD-FC66DAA2AE2D}" type="datetime1">
               <a:rPr lang="en-US" smtClean="0"/>
-              <a:t>4/12/17</a:t>
+              <a:t>4/13/17</a:t>
             </a:fld>
             <a:endParaRPr/>
           </a:p>
@@ -12629,7 +12630,7 @@
           <a:p>
             <a:fld id="{A43FAFC5-F11C-4205-99FD-FC66DAA2AE2D}" type="datetime1">
               <a:rPr lang="en-US" smtClean="0"/>
-              <a:t>4/12/17</a:t>
+              <a:t>4/13/17</a:t>
             </a:fld>
             <a:endParaRPr/>
           </a:p>
@@ -12937,7 +12938,7 @@
           <a:p>
             <a:fld id="{EFD82905-3DC5-49B9-B8B8-9D80D3609DB5}" type="datetime1">
               <a:rPr lang="en-US" smtClean="0"/>
-              <a:t>4/12/17</a:t>
+              <a:t>4/13/17</a:t>
             </a:fld>
             <a:endParaRPr/>
           </a:p>
@@ -13397,7 +13398,7 @@
           <a:p>
             <a:fld id="{59825298-A6F6-4AF2-832C-941EFA52AF9B}" type="datetime1">
               <a:rPr lang="en-US" smtClean="0"/>
-              <a:t>4/12/17</a:t>
+              <a:t>4/13/17</a:t>
             </a:fld>
             <a:endParaRPr/>
           </a:p>
@@ -13531,7 +13532,7 @@
           <a:p>
             <a:fld id="{91EE3D8C-3438-4368-AD19-D5CB0C52B1DD}" type="datetime1">
               <a:rPr lang="en-US" smtClean="0"/>
-              <a:t>4/12/17</a:t>
+              <a:t>4/13/17</a:t>
             </a:fld>
             <a:endParaRPr/>
           </a:p>
@@ -13672,7 +13673,7 @@
           <a:p>
             <a:fld id="{5A41D785-D6D8-40F1-B2DD-0E2019A27A22}" type="datetime1">
               <a:rPr lang="en-US" smtClean="0"/>
-              <a:t>4/12/17</a:t>
+              <a:t>4/13/17</a:t>
             </a:fld>
             <a:endParaRPr/>
           </a:p>
@@ -13984,7 +13985,7 @@
           <a:p>
             <a:fld id="{C05A9A06-02F9-41CB-8208-185A65D60B96}" type="datetime1">
               <a:rPr lang="en-US" smtClean="0"/>
-              <a:t>4/12/17</a:t>
+              <a:t>4/13/17</a:t>
             </a:fld>
             <a:endParaRPr/>
           </a:p>
@@ -14327,7 +14328,7 @@
           <a:p>
             <a:fld id="{3E2E051B-B340-4A72-AC7D-8FDFBF03EE12}" type="datetime1">
               <a:rPr lang="en-US" smtClean="0"/>
-              <a:t>4/12/17</a:t>
+              <a:t>4/13/17</a:t>
             </a:fld>
             <a:endParaRPr/>
           </a:p>
@@ -14698,7 +14699,7 @@
             <a:fld id="{6B85D658-8C58-46F3-AA54-0ED74F8B4CDC}" type="datetime1">
               <a:rPr lang="en-US" smtClean="0"/>
               <a:pPr/>
-              <a:t>4/12/17</a:t>
+              <a:t>4/13/17</a:t>
             </a:fld>
             <a:endParaRPr lang="en-US" dirty="0"/>
           </a:p>
@@ -15216,6 +15217,140 @@
           <a:lstStyle/>
           <a:p>
             <a:r>
+              <a:rPr lang="en-US" dirty="0" smtClean="0"/>
+              <a:t>The result of the system</a:t>
+            </a:r>
+            <a:endParaRPr lang="en-US" dirty="0"/>
+          </a:p>
+        </p:txBody>
+      </p:sp>
+      <p:sp>
+        <p:nvSpPr>
+          <p:cNvPr id="3" name="Content Placeholder 2"/>
+          <p:cNvSpPr>
+            <a:spLocks noGrp="1"/>
+          </p:cNvSpPr>
+          <p:nvPr>
+            <p:ph idx="1"/>
+          </p:nvPr>
+        </p:nvSpPr>
+        <p:spPr>
+          <a:xfrm>
+            <a:off x="1979612" y="1861457"/>
+            <a:ext cx="9144001" cy="4419600"/>
+          </a:xfrm>
+        </p:spPr>
+        <p:txBody>
+          <a:bodyPr/>
+          <a:lstStyle/>
+          <a:p>
+            <a:r>
+              <a:rPr lang="en-US" dirty="0" smtClean="0"/>
+              <a:t>Remember more details </a:t>
+            </a:r>
+          </a:p>
+          <a:p>
+            <a:r>
+              <a:rPr lang="en-US" dirty="0" smtClean="0"/>
+              <a:t>More clearly</a:t>
+            </a:r>
+            <a:endParaRPr lang="en-US" dirty="0"/>
+          </a:p>
+        </p:txBody>
+      </p:sp>
+      <p:pic>
+        <p:nvPicPr>
+          <p:cNvPr id="5" name="图片 5"/>
+          <p:cNvPicPr/>
+          <p:nvPr/>
+        </p:nvPicPr>
+        <p:blipFill>
+          <a:blip r:embed="rId2">
+            <a:extLst>
+              <a:ext uri="{28A0092B-C50C-407E-A947-70E740481C1C}">
+                <a14:useLocalDpi xmlns:a14="http://schemas.microsoft.com/office/drawing/2010/main" val="0"/>
+              </a:ext>
+            </a:extLst>
+          </a:blip>
+          <a:stretch>
+            <a:fillRect/>
+          </a:stretch>
+        </p:blipFill>
+        <p:spPr>
+          <a:xfrm>
+            <a:off x="6475412" y="3200400"/>
+            <a:ext cx="4648201" cy="3080657"/>
+          </a:xfrm>
+          <a:prstGeom prst="rect">
+            <a:avLst/>
+          </a:prstGeom>
+        </p:spPr>
+      </p:pic>
+    </p:spTree>
+    <p:extLst>
+      <p:ext uri="{BB962C8B-B14F-4D97-AF65-F5344CB8AC3E}">
+        <p14:creationId xmlns:p14="http://schemas.microsoft.com/office/powerpoint/2010/main" val="158080327"/>
+      </p:ext>
+    </p:extLst>
+  </p:cSld>
+  <p:clrMapOvr>
+    <a:masterClrMapping/>
+  </p:clrMapOvr>
+  <mc:AlternateContent xmlns:mc="http://schemas.openxmlformats.org/markup-compatibility/2006" xmlns:p14="http://schemas.microsoft.com/office/powerpoint/2010/main">
+    <mc:Choice Requires="p14">
+      <p:transition spd="med" p14:dur="700">
+        <p:fade/>
+      </p:transition>
+    </mc:Choice>
+    <mc:Fallback xmlns="">
+      <p:transition spd="med">
+        <p:fade/>
+      </p:transition>
+    </mc:Fallback>
+  </mc:AlternateContent>
+  <p:timing>
+    <p:tnLst>
+      <p:par>
+        <p:cTn id="1" dur="indefinite" restart="never" nodeType="tmRoot"/>
+      </p:par>
+    </p:tnLst>
+  </p:timing>
+</p:sld>
+</file>
+
+<file path=ppt/slides/slide11.xml><?xml version="1.0" encoding="utf-8"?>
+<p:sld xmlns:a="http://schemas.openxmlformats.org/drawingml/2006/main" xmlns:r="http://schemas.openxmlformats.org/officeDocument/2006/relationships" xmlns:p="http://schemas.openxmlformats.org/presentationml/2006/main">
+  <p:cSld>
+    <p:spTree>
+      <p:nvGrpSpPr>
+        <p:cNvPr id="1" name=""/>
+        <p:cNvGrpSpPr/>
+        <p:nvPr/>
+      </p:nvGrpSpPr>
+      <p:grpSpPr>
+        <a:xfrm>
+          <a:off x="0" y="0"/>
+          <a:ext cx="0" cy="0"/>
+          <a:chOff x="0" y="0"/>
+          <a:chExt cx="0" cy="0"/>
+        </a:xfrm>
+      </p:grpSpPr>
+      <p:sp>
+        <p:nvSpPr>
+          <p:cNvPr id="2" name="Title 1"/>
+          <p:cNvSpPr>
+            <a:spLocks noGrp="1"/>
+          </p:cNvSpPr>
+          <p:nvPr>
+            <p:ph type="title"/>
+          </p:nvPr>
+        </p:nvSpPr>
+        <p:spPr/>
+        <p:txBody>
+          <a:bodyPr/>
+          <a:lstStyle/>
+          <a:p>
+            <a:r>
               <a:rPr lang="en-US" dirty="0"/>
               <a:t>Q&amp;A</a:t>
             </a:r>
@@ -15273,7 +15408,7 @@
 </p:sld>
 </file>
 
-<file path=ppt/slides/slide11.xml><?xml version="1.0" encoding="utf-8"?>
+<file path=ppt/slides/slide12.xml><?xml version="1.0" encoding="utf-8"?>
 <p:sld xmlns:a="http://schemas.openxmlformats.org/drawingml/2006/main" xmlns:r="http://schemas.openxmlformats.org/officeDocument/2006/relationships" xmlns:p="http://schemas.openxmlformats.org/presentationml/2006/main">
   <p:cSld>
     <p:spTree>
@@ -15464,8 +15599,28 @@
                 <a:latin typeface="Calibri" panose="020F0502020204030204" pitchFamily="34" charset="0"/>
                 <a:cs typeface="Calibri" panose="020F0502020204030204" pitchFamily="34" charset="0"/>
               </a:rPr>
-              <a:t>What’s the system like</a:t>
+              <a:t>What’s the system </a:t>
             </a:r>
+            <a:r>
+              <a:rPr lang="en-US" dirty="0" smtClean="0">
+                <a:latin typeface="Calibri" panose="020F0502020204030204" pitchFamily="34" charset="0"/>
+                <a:cs typeface="Calibri" panose="020F0502020204030204" pitchFamily="34" charset="0"/>
+              </a:rPr>
+              <a:t>like</a:t>
+            </a:r>
+          </a:p>
+          <a:p>
+            <a:r>
+              <a:rPr lang="en-US" dirty="0" smtClean="0">
+                <a:latin typeface="Calibri" panose="020F0502020204030204" pitchFamily="34" charset="0"/>
+                <a:cs typeface="Calibri" panose="020F0502020204030204" pitchFamily="34" charset="0"/>
+              </a:rPr>
+              <a:t>What’s the final result</a:t>
+            </a:r>
+            <a:endParaRPr lang="en-US" dirty="0">
+              <a:latin typeface="Calibri" panose="020F0502020204030204" pitchFamily="34" charset="0"/>
+              <a:cs typeface="Calibri" panose="020F0502020204030204" pitchFamily="34" charset="0"/>
+            </a:endParaRPr>
           </a:p>
         </p:txBody>
       </p:sp>
